--- a/GIT_training.pptx
+++ b/GIT_training.pptx
@@ -3262,80 +3262,80 @@
         <p:spPr/>
         <p:txBody>
           <a:bodyPr>
-            <a:normAutofit fontScale="92500" lnSpcReduction="10000"/>
+            <a:normAutofit/>
           </a:bodyPr>
           <a:lstStyle/>
           <a:p>
             <a:r>
-              <a:rPr lang="en-US" dirty="0" err="1" smtClean="0"/>
+              <a:rPr lang="en-US" sz="2600" dirty="0" err="1" smtClean="0"/>
               <a:t>Github</a:t>
             </a:r>
-            <a:r>
-              <a:rPr lang="en-US" dirty="0" smtClean="0"/>
-              <a:t> - </a:t>
-            </a:r>
-            <a:r>
-              <a:rPr lang="en-US" dirty="0" smtClean="0">
+            <a:endParaRPr lang="en-US" sz="2600" dirty="0"/>
+          </a:p>
+          <a:p>
+            <a:pPr lvl="1"/>
+            <a:r>
+              <a:rPr lang="en-US" sz="2600" dirty="0" smtClean="0">
                 <a:hlinkClick r:id="rId2"/>
               </a:rPr>
-              <a:t>http://github-windows.s3.amazonaws.com/GitHubSetup.exe</a:t>
-            </a:r>
-            <a:endParaRPr lang="en-US" dirty="0" smtClean="0"/>
-          </a:p>
-          <a:p>
-            <a:r>
-              <a:rPr lang="en-US" dirty="0" smtClean="0">
+              <a:t>http</a:t>
+            </a:r>
+            <a:r>
+              <a:rPr lang="en-US" sz="2600" dirty="0" smtClean="0">
+                <a:hlinkClick r:id="rId2"/>
+              </a:rPr>
+              <a:t>://github-windows.s3.amazonaws.com/GitHubSetup.exe</a:t>
+            </a:r>
+            <a:endParaRPr lang="en-US" sz="2600" dirty="0" smtClean="0"/>
+          </a:p>
+          <a:p>
+            <a:r>
+              <a:rPr lang="en-US" sz="2600" dirty="0" smtClean="0">
                 <a:hlinkClick r:id="rId3"/>
               </a:rPr>
-              <a:t>http</a:t>
-            </a:r>
-            <a:r>
-              <a:rPr lang="en-US" dirty="0" smtClean="0">
-                <a:hlinkClick r:id="rId3"/>
-              </a:rPr>
-              <a:t>://stash.ds.adp.com/scm/ipns/adminscripts.git</a:t>
-            </a:r>
-            <a:endParaRPr lang="en-US" dirty="0" smtClean="0"/>
+              <a:t>http://stash.ds.adp.com/scm/ipns/adminscripts.git</a:t>
+            </a:r>
+            <a:endParaRPr lang="en-US" sz="2600" dirty="0" smtClean="0"/>
           </a:p>
           <a:p>
             <a:pPr lvl="1"/>
             <a:r>
-              <a:rPr lang="en-US" dirty="0" smtClean="0"/>
+              <a:rPr lang="en-US" sz="2600" dirty="0" smtClean="0"/>
               <a:t>Login using your DS credentials</a:t>
             </a:r>
           </a:p>
           <a:p>
             <a:r>
-              <a:rPr lang="en-US" dirty="0" smtClean="0">
+              <a:rPr lang="en-US" sz="2600" dirty="0" smtClean="0">
                 <a:hlinkClick r:id="rId4"/>
               </a:rPr>
               <a:t>http://stash.ds.adp.com/projects/IPNS/repos/setting-up-git/browse</a:t>
             </a:r>
             <a:r>
-              <a:rPr lang="en-US" dirty="0" smtClean="0"/>
+              <a:rPr lang="en-US" sz="2600" dirty="0" smtClean="0"/>
               <a:t> </a:t>
             </a:r>
           </a:p>
           <a:p>
             <a:r>
-              <a:rPr lang="en-US" dirty="0" smtClean="0">
+              <a:rPr lang="en-US" sz="2600" dirty="0" smtClean="0">
                 <a:hlinkClick r:id="rId5"/>
               </a:rPr>
               <a:t>http://git-scm.com/downloads/win</a:t>
             </a:r>
             <a:r>
-              <a:rPr lang="en-US" dirty="0" smtClean="0"/>
+              <a:rPr lang="en-US" sz="2600" dirty="0" smtClean="0"/>
               <a:t> </a:t>
             </a:r>
           </a:p>
           <a:p>
             <a:r>
-              <a:rPr lang="en-US" dirty="0" smtClean="0">
+              <a:rPr lang="en-US" sz="2600" dirty="0" smtClean="0">
                 <a:hlinkClick r:id="rId6"/>
               </a:rPr>
               <a:t>http://git-scm.com/downloads/mac</a:t>
             </a:r>
-            <a:endParaRPr lang="en-US" dirty="0" smtClean="0"/>
+            <a:endParaRPr lang="en-US" sz="2600" dirty="0" smtClean="0"/>
           </a:p>
           <a:p>
             <a:endParaRPr lang="en-US" dirty="0"/>
@@ -3352,6 +3352,13 @@
   <p:clrMapOvr>
     <a:masterClrMapping/>
   </p:clrMapOvr>
+  <p:timing>
+    <p:tnLst>
+      <p:par>
+        <p:cTn id="1" dur="indefinite" restart="never" nodeType="tmRoot"/>
+      </p:par>
+    </p:tnLst>
+  </p:timing>
 </p:sld>
 </file>
 
@@ -3418,11 +3425,7 @@
             </a:pPr>
             <a:r>
               <a:rPr lang="en-US" dirty="0" smtClean="0"/>
-              <a:t>create </a:t>
-            </a:r>
-            <a:r>
-              <a:rPr lang="en-US" dirty="0" smtClean="0"/>
-              <a:t>a directory in your home directory where you put your local copies of the GIT repos</a:t>
+              <a:t>create a directory in your home directory where you put your local copies of the GIT repos</a:t>
             </a:r>
           </a:p>
           <a:p>
@@ -3432,11 +3435,7 @@
             </a:pPr>
             <a:r>
               <a:rPr lang="en-US" dirty="0" smtClean="0"/>
-              <a:t>cd </a:t>
-            </a:r>
-            <a:r>
-              <a:rPr lang="en-US" dirty="0" smtClean="0"/>
-              <a:t>into your new directory</a:t>
+              <a:t>cd into your new directory</a:t>
             </a:r>
           </a:p>
           <a:p>
@@ -3446,11 +3445,7 @@
             </a:pPr>
             <a:r>
               <a:rPr lang="en-US" dirty="0" smtClean="0"/>
-              <a:t>Clone </a:t>
-            </a:r>
-            <a:r>
-              <a:rPr lang="en-US" dirty="0" smtClean="0"/>
-              <a:t>the repo for setting up your </a:t>
+              <a:t>Clone the repo for setting up your </a:t>
             </a:r>
             <a:r>
               <a:rPr lang="en-US" dirty="0" err="1" smtClean="0"/>
@@ -3458,11 +3453,7 @@
             </a:r>
             <a:r>
               <a:rPr lang="en-US" dirty="0" smtClean="0"/>
-              <a:t> </a:t>
-            </a:r>
-            <a:r>
-              <a:rPr lang="en-US" dirty="0" smtClean="0"/>
-              <a:t>environment</a:t>
+              <a:t> environment</a:t>
             </a:r>
           </a:p>
           <a:p>
@@ -3476,23 +3467,13 @@
             </a:r>
             <a:r>
               <a:rPr lang="en-US" dirty="0" smtClean="0"/>
-              <a:t> </a:t>
-            </a:r>
-            <a:r>
-              <a:rPr lang="en-US" dirty="0" smtClean="0"/>
-              <a:t>clone </a:t>
+              <a:t> clone </a:t>
             </a:r>
             <a:r>
               <a:rPr lang="en-US" dirty="0" smtClean="0">
                 <a:hlinkClick r:id="rId2"/>
               </a:rPr>
-              <a:t>http://</a:t>
-            </a:r>
-            <a:r>
-              <a:rPr lang="en-US" dirty="0" smtClean="0">
-                <a:hlinkClick r:id="rId2"/>
-              </a:rPr>
-              <a:t>stash.ds.adp.com/scm/ipns/setting-up-git.git</a:t>
+              <a:t>http://stash.ds.adp.com/scm/ipns/setting-up-git.git</a:t>
             </a:r>
             <a:endParaRPr lang="en-US" dirty="0"/>
           </a:p>
@@ -3503,11 +3484,7 @@
             </a:pPr>
             <a:r>
               <a:rPr lang="en-US" dirty="0" smtClean="0"/>
-              <a:t>You </a:t>
-            </a:r>
-            <a:r>
-              <a:rPr lang="en-US" dirty="0" smtClean="0"/>
-              <a:t>will be asked to enter your DS </a:t>
+              <a:t>You will be asked to enter your DS </a:t>
             </a:r>
             <a:r>
               <a:rPr lang="en-US" dirty="0" err="1" smtClean="0"/>
@@ -3522,11 +3499,7 @@
             </a:pPr>
             <a:r>
               <a:rPr lang="en-US" dirty="0" smtClean="0"/>
-              <a:t>cd </a:t>
-            </a:r>
-            <a:r>
-              <a:rPr lang="en-US" dirty="0" smtClean="0"/>
-              <a:t>setting-up-</a:t>
+              <a:t>cd setting-up-</a:t>
             </a:r>
             <a:r>
               <a:rPr lang="en-US" dirty="0" err="1" smtClean="0"/>
@@ -3541,11 +3514,7 @@
             </a:pPr>
             <a:r>
               <a:rPr lang="en-US" dirty="0" smtClean="0"/>
-              <a:t>append </a:t>
-            </a:r>
-            <a:r>
-              <a:rPr lang="en-US" dirty="0" smtClean="0"/>
-              <a:t>'</a:t>
+              <a:t>append '</a:t>
             </a:r>
             <a:r>
               <a:rPr lang="en-US" dirty="0" err="1" smtClean="0"/>
@@ -3598,11 +3567,7 @@
             </a:r>
             <a:r>
               <a:rPr lang="en-US" dirty="0" smtClean="0"/>
-              <a:t> </a:t>
-            </a:r>
-            <a:r>
-              <a:rPr lang="en-US" dirty="0" smtClean="0"/>
-              <a:t>git_prompt.sh ~/.git_prompt.sh</a:t>
+              <a:t> git_prompt.sh ~/.git_prompt.sh</a:t>
             </a:r>
           </a:p>
           <a:p>
@@ -3612,11 +3577,7 @@
             </a:pPr>
             <a:r>
               <a:rPr lang="en-US" dirty="0" smtClean="0"/>
-              <a:t>read </a:t>
-            </a:r>
-            <a:r>
-              <a:rPr lang="en-US" dirty="0" smtClean="0"/>
-              <a:t>the changes into your environment</a:t>
+              <a:t>read the changes into your environment</a:t>
             </a:r>
           </a:p>
           <a:p>
@@ -3626,11 +3587,7 @@
             </a:pPr>
             <a:r>
               <a:rPr lang="en-US" dirty="0" smtClean="0"/>
-              <a:t> </a:t>
-            </a:r>
-            <a:r>
-              <a:rPr lang="en-US" dirty="0" smtClean="0"/>
-              <a:t>. ~/.</a:t>
+              <a:t> . ~/.</a:t>
             </a:r>
             <a:r>
               <a:rPr lang="en-US" dirty="0" err="1" smtClean="0"/>
@@ -3645,11 +3602,7 @@
             </a:pPr>
             <a:r>
               <a:rPr lang="en-US" dirty="0" smtClean="0"/>
-              <a:t>If </a:t>
-            </a:r>
-            <a:r>
-              <a:rPr lang="en-US" dirty="0" smtClean="0"/>
-              <a:t>everything worked, the word 'master' should have appended onto your prompt</a:t>
+              <a:t>If everything worked, the word 'master' should have appended onto your prompt</a:t>
             </a:r>
           </a:p>
           <a:p>
@@ -3659,11 +3612,7 @@
             </a:pPr>
             <a:r>
               <a:rPr lang="en-US" dirty="0" smtClean="0"/>
-              <a:t>Set </a:t>
-            </a:r>
-            <a:r>
-              <a:rPr lang="en-US" dirty="0" smtClean="0"/>
-              <a:t>some global </a:t>
+              <a:t>Set some global </a:t>
             </a:r>
             <a:r>
               <a:rPr lang="en-US" dirty="0" err="1" smtClean="0"/>
@@ -3733,11 +3682,7 @@
             </a:pPr>
             <a:r>
               <a:rPr lang="en-US" dirty="0" smtClean="0"/>
-              <a:t>your Linux GIT </a:t>
-            </a:r>
-            <a:r>
-              <a:rPr lang="en-US" dirty="0" smtClean="0"/>
-              <a:t>environment is now setup.</a:t>
+              <a:t>your Linux GIT environment is now setup.</a:t>
             </a:r>
           </a:p>
           <a:p>
@@ -3755,6 +3700,13 @@
   <p:clrMapOvr>
     <a:masterClrMapping/>
   </p:clrMapOvr>
+  <p:timing>
+    <p:tnLst>
+      <p:par>
+        <p:cTn id="1" dur="indefinite" restart="never" nodeType="tmRoot"/>
+      </p:par>
+    </p:tnLst>
+  </p:timing>
 </p:sld>
 </file>
 
@@ -3811,177 +3763,178 @@
         <p:spPr/>
         <p:txBody>
           <a:bodyPr>
-            <a:normAutofit fontScale="47500" lnSpcReduction="20000"/>
+            <a:normAutofit fontScale="70000" lnSpcReduction="20000"/>
           </a:bodyPr>
           <a:lstStyle/>
           <a:p>
-            <a:r>
-              <a:rPr lang="en-US" dirty="0" smtClean="0"/>
-              <a:t>Login to ppsnms01.lab1.adpvoice.com</a:t>
-            </a:r>
-          </a:p>
-          <a:p>
-            <a:r>
-              <a:rPr lang="en-US" dirty="0" smtClean="0"/>
-              <a:t>1) create a directory in your home directory where you put your local copies of the GIT repos</a:t>
-            </a:r>
-          </a:p>
-          <a:p>
-            <a:r>
-              <a:rPr lang="en-US" dirty="0" smtClean="0"/>
-              <a:t>2) cd into your new directory</a:t>
-            </a:r>
-          </a:p>
-          <a:p>
-            <a:r>
-              <a:rPr lang="en-US" dirty="0" smtClean="0"/>
-              <a:t>3) Clone the repo for setting up your </a:t>
-            </a:r>
-            <a:r>
-              <a:rPr lang="en-US" dirty="0" err="1" smtClean="0"/>
-              <a:t>git</a:t>
-            </a:r>
-            <a:r>
-              <a:rPr lang="en-US" dirty="0" smtClean="0"/>
-              <a:t> environment</a:t>
-            </a:r>
-          </a:p>
-          <a:p>
-            <a:r>
-              <a:rPr lang="en-US" dirty="0" smtClean="0"/>
-              <a:t>    a) </a:t>
-            </a:r>
-            <a:r>
-              <a:rPr lang="en-US" dirty="0" err="1" smtClean="0"/>
-              <a:t>git</a:t>
-            </a:r>
-            <a:r>
-              <a:rPr lang="en-US" dirty="0" smtClean="0"/>
-              <a:t> clone </a:t>
+            <a:pPr marL="514350" indent="-514350">
+              <a:buFont typeface="+mj-lt"/>
+              <a:buAutoNum type="arabicPeriod"/>
+            </a:pPr>
+            <a:r>
+              <a:rPr lang="en-US" dirty="0" smtClean="0"/>
+              <a:t>Download GitHub and install it</a:t>
+            </a:r>
+          </a:p>
+          <a:p>
+            <a:pPr marL="971550" lvl="1" indent="-514350">
+              <a:buFont typeface="+mj-lt"/>
+              <a:buAutoNum type="arabicPeriod"/>
+            </a:pPr>
+            <a:r>
+              <a:rPr lang="en-US" dirty="0">
+                <a:hlinkClick r:id="rId2"/>
+              </a:rPr>
+              <a:t>http://</a:t>
             </a:r>
             <a:r>
               <a:rPr lang="en-US" dirty="0" smtClean="0">
                 <a:hlinkClick r:id="rId2"/>
               </a:rPr>
-              <a:t>http://stash.ds.adp.com/scm/ipns/setting-up-git.git</a:t>
-            </a:r>
-            <a:endParaRPr lang="en-US" dirty="0" smtClean="0"/>
-          </a:p>
-          <a:p>
-            <a:pPr lvl="1"/>
-            <a:r>
-              <a:rPr lang="en-US" dirty="0" smtClean="0"/>
-              <a:t>You will be asked to enter your DS username and password</a:t>
-            </a:r>
-          </a:p>
-          <a:p>
-            <a:r>
-              <a:rPr lang="en-US" dirty="0" smtClean="0"/>
-              <a:t>4) cd setting-up-</a:t>
+              <a:t>github-windows.s3.amazonaws.com/GitHubSetup.exe</a:t>
+            </a:r>
+            <a:endParaRPr lang="en-US" dirty="0"/>
+          </a:p>
+          <a:p>
+            <a:pPr marL="514350" indent="-514350">
+              <a:buFont typeface="+mj-lt"/>
+              <a:buAutoNum type="arabicPeriod"/>
+            </a:pPr>
+            <a:r>
+              <a:rPr lang="en-US" dirty="0" smtClean="0"/>
+              <a:t>Accept all defaults</a:t>
+            </a:r>
+          </a:p>
+          <a:p>
+            <a:pPr marL="514350" indent="-514350">
+              <a:buFont typeface="+mj-lt"/>
+              <a:buAutoNum type="arabicPeriod"/>
+            </a:pPr>
+            <a:r>
+              <a:rPr lang="en-US" dirty="0" smtClean="0"/>
+              <a:t>If it opens a GitHub window ignore it for now</a:t>
+            </a:r>
+          </a:p>
+          <a:p>
+            <a:pPr marL="514350" indent="-514350">
+              <a:buFont typeface="+mj-lt"/>
+              <a:buAutoNum type="arabicPeriod"/>
+            </a:pPr>
+            <a:r>
+              <a:rPr lang="en-US" dirty="0" smtClean="0"/>
+              <a:t>It should drop a ‘</a:t>
+            </a:r>
+            <a:r>
+              <a:rPr lang="en-US" dirty="0" err="1" smtClean="0"/>
+              <a:t>Git</a:t>
+            </a:r>
+            <a:r>
+              <a:rPr lang="en-US" dirty="0" smtClean="0"/>
+              <a:t> Shell’ shortcut on your desktop</a:t>
+            </a:r>
+          </a:p>
+          <a:p>
+            <a:pPr marL="971550" lvl="1" indent="-514350">
+              <a:buFont typeface="+mj-lt"/>
+              <a:buAutoNum type="arabicPeriod"/>
+            </a:pPr>
+            <a:r>
+              <a:rPr lang="en-US" dirty="0" smtClean="0"/>
+              <a:t>Double click on it to open a </a:t>
+            </a:r>
+            <a:r>
+              <a:rPr lang="en-US" dirty="0" err="1" smtClean="0"/>
+              <a:t>powershell</a:t>
+            </a:r>
+            <a:r>
+              <a:rPr lang="en-US" dirty="0" smtClean="0"/>
+              <a:t> window</a:t>
+            </a:r>
+          </a:p>
+          <a:p>
+            <a:pPr marL="514350" indent="-514350">
+              <a:buFont typeface="+mj-lt"/>
+              <a:buAutoNum type="arabicPeriod"/>
+            </a:pPr>
+            <a:r>
+              <a:rPr lang="en-US" dirty="0" smtClean="0"/>
+              <a:t>Clone </a:t>
+            </a:r>
+            <a:r>
+              <a:rPr lang="en-US" dirty="0" smtClean="0"/>
+              <a:t>the repo for setting up your </a:t>
             </a:r>
             <a:r>
               <a:rPr lang="en-US" dirty="0" err="1" smtClean="0"/>
               <a:t>git</a:t>
             </a:r>
-            <a:endParaRPr lang="en-US" dirty="0" smtClean="0"/>
-          </a:p>
-          <a:p>
-            <a:r>
-              <a:rPr lang="en-US" dirty="0" smtClean="0"/>
-              <a:t>5) append '</a:t>
-            </a:r>
-            <a:r>
-              <a:rPr lang="en-US" dirty="0" err="1" smtClean="0"/>
-              <a:t>bashrc_additions</a:t>
-            </a:r>
-            <a:r>
-              <a:rPr lang="en-US" dirty="0" smtClean="0"/>
-              <a:t>' to your .</a:t>
-            </a:r>
-            <a:r>
-              <a:rPr lang="en-US" dirty="0" err="1" smtClean="0"/>
-              <a:t>bashrc</a:t>
-            </a:r>
-            <a:r>
-              <a:rPr lang="en-US" dirty="0" smtClean="0"/>
-              <a:t> file</a:t>
-            </a:r>
-          </a:p>
-          <a:p>
-            <a:r>
-              <a:rPr lang="en-US" dirty="0" smtClean="0"/>
-              <a:t>    a) cat </a:t>
-            </a:r>
-            <a:r>
-              <a:rPr lang="en-US" dirty="0" err="1" smtClean="0"/>
-              <a:t>bashrc_additions</a:t>
-            </a:r>
-            <a:r>
-              <a:rPr lang="en-US" dirty="0" smtClean="0"/>
-              <a:t> &gt;&gt; ~/.</a:t>
-            </a:r>
-            <a:r>
-              <a:rPr lang="en-US" dirty="0" err="1" smtClean="0"/>
-              <a:t>bashrc</a:t>
-            </a:r>
-            <a:endParaRPr lang="en-US" dirty="0" smtClean="0"/>
-          </a:p>
-          <a:p>
-            <a:r>
-              <a:rPr lang="en-US" dirty="0" smtClean="0"/>
-              <a:t>6) </a:t>
-            </a:r>
-            <a:r>
-              <a:rPr lang="en-US" dirty="0" err="1" smtClean="0"/>
-              <a:t>cp</a:t>
-            </a:r>
-            <a:r>
-              <a:rPr lang="en-US" dirty="0" smtClean="0"/>
-              <a:t> git_prompt.sh ~/.git_prompt.sh</a:t>
-            </a:r>
-          </a:p>
-          <a:p>
-            <a:r>
-              <a:rPr lang="en-US" dirty="0" smtClean="0"/>
-              <a:t>7) read the changes into your environment</a:t>
-            </a:r>
-          </a:p>
-          <a:p>
-            <a:r>
-              <a:rPr lang="en-US" dirty="0" smtClean="0"/>
-              <a:t>    a) . ~/.</a:t>
-            </a:r>
-            <a:r>
-              <a:rPr lang="en-US" dirty="0" err="1" smtClean="0"/>
-              <a:t>bashrc</a:t>
-            </a:r>
-            <a:endParaRPr lang="en-US" dirty="0" smtClean="0"/>
-          </a:p>
-          <a:p>
-            <a:r>
-              <a:rPr lang="en-US" dirty="0" smtClean="0"/>
-              <a:t>8) If everything worked, the word 'master' should have appended onto your prompt</a:t>
-            </a:r>
-          </a:p>
-          <a:p>
-            <a:r>
-              <a:rPr lang="en-US" dirty="0" smtClean="0"/>
-              <a:t>9) Set some global </a:t>
-            </a:r>
+            <a:r>
+              <a:rPr lang="en-US" dirty="0" smtClean="0"/>
+              <a:t> environment</a:t>
+            </a:r>
+          </a:p>
+          <a:p>
+            <a:pPr marL="971550" lvl="1" indent="-514350">
+              <a:buFont typeface="+mj-lt"/>
+              <a:buAutoNum type="arabicPeriod"/>
+            </a:pPr>
             <a:r>
               <a:rPr lang="en-US" dirty="0" err="1" smtClean="0"/>
               <a:t>git</a:t>
             </a:r>
             <a:r>
               <a:rPr lang="en-US" dirty="0" smtClean="0"/>
+              <a:t> </a:t>
+            </a:r>
+            <a:r>
+              <a:rPr lang="en-US" dirty="0" smtClean="0"/>
+              <a:t>clone </a:t>
+            </a:r>
+            <a:r>
+              <a:rPr lang="en-US" dirty="0" smtClean="0">
+                <a:hlinkClick r:id="rId3"/>
+              </a:rPr>
+              <a:t>http://stash.ds.adp.com/scm/ipns/setting-up-git.git</a:t>
+            </a:r>
+            <a:endParaRPr lang="en-US" dirty="0" smtClean="0"/>
+          </a:p>
+          <a:p>
+            <a:pPr marL="971550" lvl="1" indent="-514350">
+              <a:buFont typeface="+mj-lt"/>
+              <a:buAutoNum type="arabicPeriod"/>
+            </a:pPr>
+            <a:r>
+              <a:rPr lang="en-US" dirty="0" smtClean="0"/>
+              <a:t>You will be asked to enter your DS username and password</a:t>
+            </a:r>
+          </a:p>
+          <a:p>
+            <a:pPr marL="514350" indent="-514350">
+              <a:buFont typeface="+mj-lt"/>
+              <a:buAutoNum type="arabicPeriod"/>
+            </a:pPr>
+            <a:r>
+              <a:rPr lang="en-US" dirty="0" smtClean="0"/>
+              <a:t>Set </a:t>
+            </a:r>
+            <a:r>
+              <a:rPr lang="en-US" dirty="0"/>
+              <a:t>some global </a:t>
+            </a:r>
+            <a:r>
+              <a:rPr lang="en-US" dirty="0" err="1"/>
+              <a:t>git</a:t>
+            </a:r>
+            <a:r>
+              <a:rPr lang="en-US" dirty="0"/>
               <a:t> variables</a:t>
             </a:r>
           </a:p>
           <a:p>
-            <a:r>
-              <a:rPr lang="en-US" dirty="0" smtClean="0"/>
-              <a:t>    a) </a:t>
-            </a:r>
+            <a:pPr marL="971550" lvl="1" indent="-514350">
+              <a:buFont typeface="+mj-lt"/>
+              <a:buAutoNum type="arabicPeriod"/>
+            </a:pPr>
             <a:r>
               <a:rPr lang="en-US" dirty="0" err="1" smtClean="0"/>
               <a:t>git</a:t>
@@ -3991,19 +3944,19 @@
               <a:t> </a:t>
             </a:r>
             <a:r>
-              <a:rPr lang="en-US" dirty="0" err="1" smtClean="0"/>
+              <a:rPr lang="en-US" dirty="0" err="1"/>
               <a:t>config</a:t>
             </a:r>
             <a:r>
-              <a:rPr lang="en-US" dirty="0" smtClean="0"/>
+              <a:rPr lang="en-US" dirty="0"/>
               <a:t> --global user.name "Insert your name here"</a:t>
             </a:r>
           </a:p>
           <a:p>
-            <a:r>
-              <a:rPr lang="en-US" dirty="0" smtClean="0"/>
-              <a:t>    b) </a:t>
-            </a:r>
+            <a:pPr marL="971550" lvl="1" indent="-514350">
+              <a:buFont typeface="+mj-lt"/>
+              <a:buAutoNum type="arabicPeriod"/>
+            </a:pPr>
             <a:r>
               <a:rPr lang="en-US" dirty="0" err="1" smtClean="0"/>
               <a:t>git</a:t>
@@ -4013,32 +3966,46 @@
               <a:t> </a:t>
             </a:r>
             <a:r>
-              <a:rPr lang="en-US" dirty="0" err="1" smtClean="0"/>
+              <a:rPr lang="en-US" dirty="0" err="1"/>
               <a:t>config</a:t>
             </a:r>
             <a:r>
-              <a:rPr lang="en-US" dirty="0" smtClean="0"/>
+              <a:rPr lang="en-US" dirty="0"/>
               <a:t> --global </a:t>
             </a:r>
             <a:r>
-              <a:rPr lang="en-US" dirty="0" err="1" smtClean="0"/>
+              <a:rPr lang="en-US" dirty="0" err="1"/>
               <a:t>user.email</a:t>
             </a:r>
             <a:r>
-              <a:rPr lang="en-US" dirty="0" smtClean="0"/>
-              <a:t> "Insert your email address here"</a:t>
-            </a:r>
-          </a:p>
-          <a:p>
+              <a:rPr lang="en-US" dirty="0"/>
+              <a:t> "Insert your email address </a:t>
+            </a:r>
+            <a:r>
+              <a:rPr lang="en-US" smtClean="0"/>
+              <a:t>here“</a:t>
+            </a:r>
             <a:endParaRPr lang="en-US" dirty="0" smtClean="0"/>
           </a:p>
           <a:p>
-            <a:r>
-              <a:rPr lang="en-US" dirty="0" smtClean="0"/>
-              <a:t>10) your GIT environment is now setup.</a:t>
-            </a:r>
-          </a:p>
-          <a:p>
+            <a:pPr marL="514350" indent="-514350">
+              <a:buFont typeface="+mj-lt"/>
+              <a:buAutoNum type="arabicPeriod"/>
+            </a:pPr>
+            <a:r>
+              <a:rPr lang="en-US" dirty="0" smtClean="0"/>
+              <a:t>your </a:t>
+            </a:r>
+            <a:r>
+              <a:rPr lang="en-US" dirty="0" smtClean="0"/>
+              <a:t>GIT environment is now setup.</a:t>
+            </a:r>
+          </a:p>
+          <a:p>
+            <a:pPr marL="514350" indent="-514350">
+              <a:buFont typeface="+mj-lt"/>
+              <a:buAutoNum type="arabicPeriod"/>
+            </a:pPr>
             <a:endParaRPr lang="en-US" dirty="0"/>
           </a:p>
         </p:txBody>

--- a/GIT_training.pptx
+++ b/GIT_training.pptx
@@ -13,6 +13,12 @@
     <p:sldId id="260" r:id="rId7"/>
     <p:sldId id="261" r:id="rId8"/>
     <p:sldId id="262" r:id="rId9"/>
+    <p:sldId id="264" r:id="rId10"/>
+    <p:sldId id="266" r:id="rId11"/>
+    <p:sldId id="267" r:id="rId12"/>
+    <p:sldId id="268" r:id="rId13"/>
+    <p:sldId id="269" r:id="rId14"/>
+    <p:sldId id="270" r:id="rId15"/>
   </p:sldIdLst>
   <p:sldSz cx="9144000" cy="6858000" type="screen4x3"/>
   <p:notesSz cx="6858000" cy="9144000"/>
@@ -3209,6 +3215,663 @@
 </p:sld>
 </file>
 
+<file path=ppt/slides/slide10.xml><?xml version="1.0" encoding="utf-8"?>
+<p:sld xmlns:a="http://schemas.openxmlformats.org/drawingml/2006/main" xmlns:r="http://schemas.openxmlformats.org/officeDocument/2006/relationships" xmlns:p="http://schemas.openxmlformats.org/presentationml/2006/main">
+  <p:cSld>
+    <p:spTree>
+      <p:nvGrpSpPr>
+        <p:cNvPr id="1" name=""/>
+        <p:cNvGrpSpPr/>
+        <p:nvPr/>
+      </p:nvGrpSpPr>
+      <p:grpSpPr>
+        <a:xfrm>
+          <a:off x="0" y="0"/>
+          <a:ext cx="0" cy="0"/>
+          <a:chOff x="0" y="0"/>
+          <a:chExt cx="0" cy="0"/>
+        </a:xfrm>
+      </p:grpSpPr>
+      <p:sp>
+        <p:nvSpPr>
+          <p:cNvPr id="2" name="Title 1"/>
+          <p:cNvSpPr>
+            <a:spLocks noGrp="1"/>
+          </p:cNvSpPr>
+          <p:nvPr>
+            <p:ph type="title"/>
+          </p:nvPr>
+        </p:nvSpPr>
+        <p:spPr/>
+        <p:txBody>
+          <a:bodyPr/>
+          <a:lstStyle/>
+          <a:p>
+            <a:r>
+              <a:rPr lang="en-US" dirty="0" smtClean="0"/>
+              <a:t>Purpose</a:t>
+            </a:r>
+            <a:endParaRPr lang="en-US" dirty="0"/>
+          </a:p>
+        </p:txBody>
+      </p:sp>
+      <p:sp>
+        <p:nvSpPr>
+          <p:cNvPr id="3" name="Content Placeholder 2"/>
+          <p:cNvSpPr>
+            <a:spLocks noGrp="1"/>
+          </p:cNvSpPr>
+          <p:nvPr>
+            <p:ph idx="1"/>
+          </p:nvPr>
+        </p:nvSpPr>
+        <p:spPr/>
+        <p:txBody>
+          <a:bodyPr>
+            <a:normAutofit/>
+          </a:bodyPr>
+          <a:lstStyle/>
+          <a:p>
+            <a:r>
+              <a:rPr lang="en-US" dirty="0" smtClean="0"/>
+              <a:t>Single centralized location for all of our one-off scripts</a:t>
+            </a:r>
+          </a:p>
+          <a:p>
+            <a:r>
+              <a:rPr lang="en-US" dirty="0" smtClean="0"/>
+              <a:t>Not to be used at this time for the scripts/files in </a:t>
+            </a:r>
+            <a:r>
+              <a:rPr lang="en-US" dirty="0" err="1" smtClean="0"/>
+              <a:t>cfengine</a:t>
+            </a:r>
+            <a:endParaRPr lang="en-US" dirty="0" smtClean="0"/>
+          </a:p>
+          <a:p>
+            <a:r>
+              <a:rPr lang="en-US" dirty="0" smtClean="0"/>
+              <a:t>The ‘master’ branch is writeable by </a:t>
+            </a:r>
+            <a:r>
+              <a:rPr lang="en-US" dirty="0" err="1" smtClean="0"/>
+              <a:t>butrym</a:t>
+            </a:r>
+            <a:r>
+              <a:rPr lang="en-US" dirty="0" smtClean="0"/>
+              <a:t> only</a:t>
+            </a:r>
+          </a:p>
+          <a:p>
+            <a:r>
+              <a:rPr lang="en-US" dirty="0" smtClean="0"/>
+              <a:t>That is where we will store the ‘production’ version of the scripts</a:t>
+            </a:r>
+            <a:endParaRPr lang="en-US" dirty="0"/>
+          </a:p>
+          <a:p>
+            <a:pPr lvl="1"/>
+            <a:endParaRPr lang="en-US" dirty="0"/>
+          </a:p>
+        </p:txBody>
+      </p:sp>
+    </p:spTree>
+    <p:extLst>
+      <p:ext uri="{BB962C8B-B14F-4D97-AF65-F5344CB8AC3E}">
+        <p14:creationId xmlns:p14="http://schemas.microsoft.com/office/powerpoint/2010/main" val="691355587"/>
+      </p:ext>
+    </p:extLst>
+  </p:cSld>
+  <p:clrMapOvr>
+    <a:masterClrMapping/>
+  </p:clrMapOvr>
+</p:sld>
+</file>
+
+<file path=ppt/slides/slide11.xml><?xml version="1.0" encoding="utf-8"?>
+<p:sld xmlns:a="http://schemas.openxmlformats.org/drawingml/2006/main" xmlns:r="http://schemas.openxmlformats.org/officeDocument/2006/relationships" xmlns:p="http://schemas.openxmlformats.org/presentationml/2006/main">
+  <p:cSld>
+    <p:spTree>
+      <p:nvGrpSpPr>
+        <p:cNvPr id="1" name=""/>
+        <p:cNvGrpSpPr/>
+        <p:nvPr/>
+      </p:nvGrpSpPr>
+      <p:grpSpPr>
+        <a:xfrm>
+          <a:off x="0" y="0"/>
+          <a:ext cx="0" cy="0"/>
+          <a:chOff x="0" y="0"/>
+          <a:chExt cx="0" cy="0"/>
+        </a:xfrm>
+      </p:grpSpPr>
+      <p:sp>
+        <p:nvSpPr>
+          <p:cNvPr id="2" name="Title 1"/>
+          <p:cNvSpPr>
+            <a:spLocks noGrp="1"/>
+          </p:cNvSpPr>
+          <p:nvPr>
+            <p:ph type="title"/>
+          </p:nvPr>
+        </p:nvSpPr>
+        <p:spPr/>
+        <p:txBody>
+          <a:bodyPr/>
+          <a:lstStyle/>
+          <a:p>
+            <a:r>
+              <a:rPr lang="en-US" dirty="0" smtClean="0"/>
+              <a:t>Getting a working copy</a:t>
+            </a:r>
+            <a:endParaRPr lang="en-US" dirty="0"/>
+          </a:p>
+        </p:txBody>
+      </p:sp>
+      <p:sp>
+        <p:nvSpPr>
+          <p:cNvPr id="3" name="Content Placeholder 2"/>
+          <p:cNvSpPr>
+            <a:spLocks noGrp="1"/>
+          </p:cNvSpPr>
+          <p:nvPr>
+            <p:ph idx="1"/>
+          </p:nvPr>
+        </p:nvSpPr>
+        <p:spPr/>
+        <p:txBody>
+          <a:bodyPr>
+            <a:normAutofit fontScale="92500" lnSpcReduction="20000"/>
+          </a:bodyPr>
+          <a:lstStyle/>
+          <a:p>
+            <a:r>
+              <a:rPr lang="en-US" dirty="0" smtClean="0"/>
+              <a:t>Via the web</a:t>
+            </a:r>
+          </a:p>
+          <a:p>
+            <a:pPr lvl="1"/>
+            <a:r>
+              <a:rPr lang="en-US" dirty="0" smtClean="0">
+                <a:hlinkClick r:id="rId2"/>
+              </a:rPr>
+              <a:t>http</a:t>
+            </a:r>
+            <a:r>
+              <a:rPr lang="en-US" dirty="0">
+                <a:hlinkClick r:id="rId2"/>
+              </a:rPr>
+              <a:t>://</a:t>
+            </a:r>
+            <a:r>
+              <a:rPr lang="en-US" dirty="0" smtClean="0">
+                <a:hlinkClick r:id="rId2"/>
+              </a:rPr>
+              <a:t>stash.ds.adp.com/scm/ipns/adminscripts.git</a:t>
+            </a:r>
+            <a:r>
+              <a:rPr lang="en-US" dirty="0" smtClean="0"/>
+              <a:t> </a:t>
+            </a:r>
+          </a:p>
+          <a:p>
+            <a:r>
+              <a:rPr lang="en-US" dirty="0" smtClean="0"/>
+              <a:t>Make sure you are on the master branch</a:t>
+            </a:r>
+          </a:p>
+          <a:p>
+            <a:r>
+              <a:rPr lang="en-US" dirty="0" smtClean="0"/>
+              <a:t>Click on ‘clone’</a:t>
+            </a:r>
+          </a:p>
+          <a:p>
+            <a:pPr lvl="1"/>
+            <a:r>
+              <a:rPr lang="en-US" dirty="0" smtClean="0"/>
+              <a:t>Left column near the top</a:t>
+            </a:r>
+          </a:p>
+          <a:p>
+            <a:pPr lvl="1"/>
+            <a:r>
+              <a:rPr lang="en-US" dirty="0" smtClean="0"/>
+              <a:t>Copy URL that is in the window that appears</a:t>
+            </a:r>
+            <a:endParaRPr lang="en-US" dirty="0"/>
+          </a:p>
+          <a:p>
+            <a:r>
+              <a:rPr lang="en-US" dirty="0" smtClean="0"/>
+              <a:t>Via the GIT Shell</a:t>
+            </a:r>
+          </a:p>
+          <a:p>
+            <a:pPr lvl="1"/>
+            <a:r>
+              <a:rPr lang="en-US" dirty="0" err="1"/>
+              <a:t>g</a:t>
+            </a:r>
+            <a:r>
+              <a:rPr lang="en-US" dirty="0" err="1" smtClean="0"/>
+              <a:t>it</a:t>
+            </a:r>
+            <a:r>
+              <a:rPr lang="en-US" dirty="0" smtClean="0"/>
+              <a:t> clone &lt;paste the URL you just copied&gt;</a:t>
+            </a:r>
+          </a:p>
+          <a:p>
+            <a:pPr lvl="1"/>
+            <a:r>
+              <a:rPr lang="en-US" dirty="0" smtClean="0"/>
+              <a:t>This will copy the repo to your laptop or </a:t>
+            </a:r>
+            <a:r>
+              <a:rPr lang="en-US" dirty="0" err="1" smtClean="0"/>
+              <a:t>linux</a:t>
+            </a:r>
+            <a:r>
+              <a:rPr lang="en-US" dirty="0" smtClean="0"/>
+              <a:t> workstation into an </a:t>
+            </a:r>
+            <a:r>
+              <a:rPr lang="en-US" i="1" dirty="0" err="1" smtClean="0"/>
+              <a:t>adminscript</a:t>
+            </a:r>
+            <a:r>
+              <a:rPr lang="en-US" smtClean="0"/>
+              <a:t> directory</a:t>
+            </a:r>
+            <a:endParaRPr lang="en-US" dirty="0"/>
+          </a:p>
+          <a:p>
+            <a:pPr lvl="1"/>
+            <a:endParaRPr lang="en-US" dirty="0"/>
+          </a:p>
+        </p:txBody>
+      </p:sp>
+    </p:spTree>
+    <p:extLst>
+      <p:ext uri="{BB962C8B-B14F-4D97-AF65-F5344CB8AC3E}">
+        <p14:creationId xmlns:p14="http://schemas.microsoft.com/office/powerpoint/2010/main" val="318189660"/>
+      </p:ext>
+    </p:extLst>
+  </p:cSld>
+  <p:clrMapOvr>
+    <a:masterClrMapping/>
+  </p:clrMapOvr>
+</p:sld>
+</file>
+
+<file path=ppt/slides/slide12.xml><?xml version="1.0" encoding="utf-8"?>
+<p:sld xmlns:a="http://schemas.openxmlformats.org/drawingml/2006/main" xmlns:r="http://schemas.openxmlformats.org/officeDocument/2006/relationships" xmlns:p="http://schemas.openxmlformats.org/presentationml/2006/main">
+  <p:cSld>
+    <p:spTree>
+      <p:nvGrpSpPr>
+        <p:cNvPr id="1" name=""/>
+        <p:cNvGrpSpPr/>
+        <p:nvPr/>
+      </p:nvGrpSpPr>
+      <p:grpSpPr>
+        <a:xfrm>
+          <a:off x="0" y="0"/>
+          <a:ext cx="0" cy="0"/>
+          <a:chOff x="0" y="0"/>
+          <a:chExt cx="0" cy="0"/>
+        </a:xfrm>
+      </p:grpSpPr>
+      <p:sp>
+        <p:nvSpPr>
+          <p:cNvPr id="2" name="Title 1"/>
+          <p:cNvSpPr>
+            <a:spLocks noGrp="1"/>
+          </p:cNvSpPr>
+          <p:nvPr>
+            <p:ph type="title"/>
+          </p:nvPr>
+        </p:nvSpPr>
+        <p:spPr/>
+        <p:txBody>
+          <a:bodyPr/>
+          <a:lstStyle/>
+          <a:p>
+            <a:r>
+              <a:rPr lang="en-US" dirty="0" smtClean="0"/>
+              <a:t>Create a branch</a:t>
+            </a:r>
+            <a:endParaRPr lang="en-US" dirty="0"/>
+          </a:p>
+        </p:txBody>
+      </p:sp>
+      <p:sp>
+        <p:nvSpPr>
+          <p:cNvPr id="3" name="Content Placeholder 2"/>
+          <p:cNvSpPr>
+            <a:spLocks noGrp="1"/>
+          </p:cNvSpPr>
+          <p:nvPr>
+            <p:ph idx="1"/>
+          </p:nvPr>
+        </p:nvSpPr>
+        <p:spPr/>
+        <p:txBody>
+          <a:bodyPr/>
+          <a:lstStyle/>
+          <a:p>
+            <a:r>
+              <a:rPr lang="en-US" dirty="0" smtClean="0"/>
+              <a:t>From the Stash web site</a:t>
+            </a:r>
+          </a:p>
+          <a:p>
+            <a:pPr lvl="1"/>
+            <a:r>
+              <a:rPr lang="en-US" dirty="0" smtClean="0"/>
+              <a:t>Left Column ‘Create a Branch’</a:t>
+            </a:r>
+          </a:p>
+          <a:p>
+            <a:pPr lvl="1"/>
+            <a:r>
+              <a:rPr lang="en-US" dirty="0" smtClean="0"/>
+              <a:t>In the pop-up</a:t>
+            </a:r>
+          </a:p>
+          <a:p>
+            <a:pPr lvl="2"/>
+            <a:r>
+              <a:rPr lang="en-US" dirty="0" smtClean="0"/>
+              <a:t>Repository: IPNS/</a:t>
+            </a:r>
+            <a:r>
+              <a:rPr lang="en-US" dirty="0" err="1" smtClean="0"/>
+              <a:t>Adminscripts</a:t>
+            </a:r>
+            <a:endParaRPr lang="en-US" dirty="0" smtClean="0"/>
+          </a:p>
+          <a:p>
+            <a:pPr lvl="2"/>
+            <a:r>
+              <a:rPr lang="en-US" dirty="0" smtClean="0"/>
+              <a:t>Branch Type: Custom</a:t>
+            </a:r>
+          </a:p>
+          <a:p>
+            <a:pPr lvl="2"/>
+            <a:r>
+              <a:rPr lang="en-US" dirty="0" smtClean="0"/>
+              <a:t>Branch From: Master</a:t>
+            </a:r>
+          </a:p>
+          <a:p>
+            <a:pPr lvl="2"/>
+            <a:r>
+              <a:rPr lang="en-US" dirty="0" smtClean="0"/>
+              <a:t>Branch Name: your login name</a:t>
+            </a:r>
+          </a:p>
+          <a:p>
+            <a:pPr lvl="2"/>
+            <a:r>
+              <a:rPr lang="en-US" dirty="0" smtClean="0"/>
+              <a:t>[Create Branch]</a:t>
+            </a:r>
+            <a:endParaRPr lang="en-US" dirty="0"/>
+          </a:p>
+        </p:txBody>
+      </p:sp>
+    </p:spTree>
+    <p:extLst>
+      <p:ext uri="{BB962C8B-B14F-4D97-AF65-F5344CB8AC3E}">
+        <p14:creationId xmlns:p14="http://schemas.microsoft.com/office/powerpoint/2010/main" val="1235818940"/>
+      </p:ext>
+    </p:extLst>
+  </p:cSld>
+  <p:clrMapOvr>
+    <a:masterClrMapping/>
+  </p:clrMapOvr>
+</p:sld>
+</file>
+
+<file path=ppt/slides/slide13.xml><?xml version="1.0" encoding="utf-8"?>
+<p:sld xmlns:a="http://schemas.openxmlformats.org/drawingml/2006/main" xmlns:r="http://schemas.openxmlformats.org/officeDocument/2006/relationships" xmlns:p="http://schemas.openxmlformats.org/presentationml/2006/main">
+  <p:cSld>
+    <p:spTree>
+      <p:nvGrpSpPr>
+        <p:cNvPr id="1" name=""/>
+        <p:cNvGrpSpPr/>
+        <p:nvPr/>
+      </p:nvGrpSpPr>
+      <p:grpSpPr>
+        <a:xfrm>
+          <a:off x="0" y="0"/>
+          <a:ext cx="0" cy="0"/>
+          <a:chOff x="0" y="0"/>
+          <a:chExt cx="0" cy="0"/>
+        </a:xfrm>
+      </p:grpSpPr>
+      <p:sp>
+        <p:nvSpPr>
+          <p:cNvPr id="2" name="Title 1"/>
+          <p:cNvSpPr>
+            <a:spLocks noGrp="1"/>
+          </p:cNvSpPr>
+          <p:nvPr>
+            <p:ph type="title"/>
+          </p:nvPr>
+        </p:nvSpPr>
+        <p:spPr/>
+        <p:txBody>
+          <a:bodyPr/>
+          <a:lstStyle/>
+          <a:p>
+            <a:r>
+              <a:rPr lang="en-US" dirty="0" smtClean="0"/>
+              <a:t>Creating a branch</a:t>
+            </a:r>
+            <a:endParaRPr lang="en-US" dirty="0"/>
+          </a:p>
+        </p:txBody>
+      </p:sp>
+      <p:sp>
+        <p:nvSpPr>
+          <p:cNvPr id="3" name="Content Placeholder 2"/>
+          <p:cNvSpPr>
+            <a:spLocks noGrp="1"/>
+          </p:cNvSpPr>
+          <p:nvPr>
+            <p:ph idx="1"/>
+          </p:nvPr>
+        </p:nvSpPr>
+        <p:spPr/>
+        <p:txBody>
+          <a:bodyPr/>
+          <a:lstStyle/>
+          <a:p>
+            <a:r>
+              <a:rPr lang="en-US" dirty="0" smtClean="0"/>
+              <a:t>From a command prompt:</a:t>
+            </a:r>
+          </a:p>
+          <a:p>
+            <a:r>
+              <a:rPr lang="en-US" dirty="0" smtClean="0"/>
+              <a:t>Make sure you are in the &lt;master&gt; branch</a:t>
+            </a:r>
+          </a:p>
+          <a:p>
+            <a:pPr lvl="1"/>
+            <a:r>
+              <a:rPr lang="en-US" dirty="0" err="1"/>
+              <a:t>g</a:t>
+            </a:r>
+            <a:r>
+              <a:rPr lang="en-US" dirty="0" err="1" smtClean="0"/>
+              <a:t>it</a:t>
+            </a:r>
+            <a:r>
+              <a:rPr lang="en-US" dirty="0" smtClean="0"/>
+              <a:t> checkout –b &lt;your login name&gt; </a:t>
+            </a:r>
+          </a:p>
+          <a:p>
+            <a:pPr lvl="1"/>
+            <a:endParaRPr lang="en-US" dirty="0"/>
+          </a:p>
+          <a:p>
+            <a:pPr marL="0" indent="0">
+              <a:buNone/>
+            </a:pPr>
+            <a:endParaRPr lang="en-US" dirty="0" smtClean="0"/>
+          </a:p>
+        </p:txBody>
+      </p:sp>
+    </p:spTree>
+    <p:extLst>
+      <p:ext uri="{BB962C8B-B14F-4D97-AF65-F5344CB8AC3E}">
+        <p14:creationId xmlns:p14="http://schemas.microsoft.com/office/powerpoint/2010/main" val="1448495732"/>
+      </p:ext>
+    </p:extLst>
+  </p:cSld>
+  <p:clrMapOvr>
+    <a:masterClrMapping/>
+  </p:clrMapOvr>
+</p:sld>
+</file>
+
+<file path=ppt/slides/slide14.xml><?xml version="1.0" encoding="utf-8"?>
+<p:sld xmlns:a="http://schemas.openxmlformats.org/drawingml/2006/main" xmlns:r="http://schemas.openxmlformats.org/officeDocument/2006/relationships" xmlns:p="http://schemas.openxmlformats.org/presentationml/2006/main">
+  <p:cSld>
+    <p:spTree>
+      <p:nvGrpSpPr>
+        <p:cNvPr id="1" name=""/>
+        <p:cNvGrpSpPr/>
+        <p:nvPr/>
+      </p:nvGrpSpPr>
+      <p:grpSpPr>
+        <a:xfrm>
+          <a:off x="0" y="0"/>
+          <a:ext cx="0" cy="0"/>
+          <a:chOff x="0" y="0"/>
+          <a:chExt cx="0" cy="0"/>
+        </a:xfrm>
+      </p:grpSpPr>
+      <p:sp>
+        <p:nvSpPr>
+          <p:cNvPr id="2" name="Title 1"/>
+          <p:cNvSpPr>
+            <a:spLocks noGrp="1"/>
+          </p:cNvSpPr>
+          <p:nvPr>
+            <p:ph type="title"/>
+          </p:nvPr>
+        </p:nvSpPr>
+        <p:spPr/>
+        <p:txBody>
+          <a:bodyPr>
+            <a:normAutofit fontScale="90000"/>
+          </a:bodyPr>
+          <a:lstStyle/>
+          <a:p>
+            <a:r>
+              <a:rPr lang="en-US" dirty="0" smtClean="0"/>
+              <a:t>Moving your changes to the master branch</a:t>
+            </a:r>
+            <a:endParaRPr lang="en-US" dirty="0"/>
+          </a:p>
+        </p:txBody>
+      </p:sp>
+      <p:sp>
+        <p:nvSpPr>
+          <p:cNvPr id="3" name="Content Placeholder 2"/>
+          <p:cNvSpPr>
+            <a:spLocks noGrp="1"/>
+          </p:cNvSpPr>
+          <p:nvPr>
+            <p:ph idx="1"/>
+          </p:nvPr>
+        </p:nvSpPr>
+        <p:spPr/>
+        <p:txBody>
+          <a:bodyPr>
+            <a:normAutofit fontScale="85000" lnSpcReduction="20000"/>
+          </a:bodyPr>
+          <a:lstStyle/>
+          <a:p>
+            <a:r>
+              <a:rPr lang="en-US" dirty="0" smtClean="0"/>
+              <a:t>From the web:</a:t>
+            </a:r>
+          </a:p>
+          <a:p>
+            <a:pPr lvl="1"/>
+            <a:r>
+              <a:rPr lang="en-US" dirty="0" smtClean="0"/>
+              <a:t>Left Column: Create Pull Request</a:t>
+            </a:r>
+          </a:p>
+          <a:p>
+            <a:pPr lvl="1"/>
+            <a:r>
+              <a:rPr lang="en-US" dirty="0" smtClean="0"/>
+              <a:t>Use your branch as the source</a:t>
+            </a:r>
+          </a:p>
+          <a:p>
+            <a:pPr lvl="1"/>
+            <a:r>
+              <a:rPr lang="en-US" dirty="0" smtClean="0"/>
+              <a:t>Use Master as the destination</a:t>
+            </a:r>
+          </a:p>
+          <a:p>
+            <a:pPr lvl="1"/>
+            <a:r>
+              <a:rPr lang="en-US" dirty="0" smtClean="0"/>
+              <a:t>[continue]</a:t>
+            </a:r>
+          </a:p>
+          <a:p>
+            <a:r>
+              <a:rPr lang="en-US" dirty="0" smtClean="0"/>
+              <a:t>The differences between the two branches is listed at the bottom of the page</a:t>
+            </a:r>
+          </a:p>
+          <a:p>
+            <a:r>
+              <a:rPr lang="en-US" dirty="0" smtClean="0"/>
+              <a:t>After you press [Continue] I’ll get notified that something needs to be merged into the master branch. </a:t>
+            </a:r>
+          </a:p>
+          <a:p>
+            <a:r>
+              <a:rPr lang="en-US" dirty="0" smtClean="0"/>
+              <a:t>After reviewing the changes, I’ll approve the request and your files will be available in the </a:t>
+            </a:r>
+            <a:r>
+              <a:rPr lang="en-US" smtClean="0"/>
+              <a:t>master branch</a:t>
+            </a:r>
+            <a:endParaRPr lang="en-US" dirty="0" smtClean="0"/>
+          </a:p>
+        </p:txBody>
+      </p:sp>
+    </p:spTree>
+    <p:extLst>
+      <p:ext uri="{BB962C8B-B14F-4D97-AF65-F5344CB8AC3E}">
+        <p14:creationId xmlns:p14="http://schemas.microsoft.com/office/powerpoint/2010/main" val="3312869542"/>
+      </p:ext>
+    </p:extLst>
+  </p:cSld>
+  <p:clrMapOvr>
+    <a:masterClrMapping/>
+  </p:clrMapOvr>
+</p:sld>
+</file>
+
 <file path=ppt/slides/slide2.xml><?xml version="1.0" encoding="utf-8"?>
 <p:sld xmlns:a="http://schemas.openxmlformats.org/drawingml/2006/main" xmlns:r="http://schemas.openxmlformats.org/officeDocument/2006/relationships" xmlns:p="http://schemas.openxmlformats.org/presentationml/2006/main">
   <p:cSld>
@@ -3278,13 +3941,7 @@
               <a:rPr lang="en-US" sz="2600" dirty="0" smtClean="0">
                 <a:hlinkClick r:id="rId2"/>
               </a:rPr>
-              <a:t>http</a:t>
-            </a:r>
-            <a:r>
-              <a:rPr lang="en-US" sz="2600" dirty="0" smtClean="0">
-                <a:hlinkClick r:id="rId2"/>
-              </a:rPr>
-              <a:t>://github-windows.s3.amazonaws.com/GitHubSetup.exe</a:t>
+              <a:t>http://github-windows.s3.amazonaws.com/GitHubSetup.exe</a:t>
             </a:r>
             <a:endParaRPr lang="en-US" sz="2600" dirty="0" smtClean="0"/>
           </a:p>
@@ -3858,11 +4515,7 @@
             </a:pPr>
             <a:r>
               <a:rPr lang="en-US" dirty="0" smtClean="0"/>
-              <a:t>Clone </a:t>
-            </a:r>
-            <a:r>
-              <a:rPr lang="en-US" dirty="0" smtClean="0"/>
-              <a:t>the repo for setting up your </a:t>
+              <a:t>Clone the repo for setting up your </a:t>
             </a:r>
             <a:r>
               <a:rPr lang="en-US" dirty="0" err="1" smtClean="0"/>
@@ -3884,11 +4537,7 @@
             </a:r>
             <a:r>
               <a:rPr lang="en-US" dirty="0" smtClean="0"/>
-              <a:t> </a:t>
-            </a:r>
-            <a:r>
-              <a:rPr lang="en-US" dirty="0" smtClean="0"/>
-              <a:t>clone </a:t>
+              <a:t> clone </a:t>
             </a:r>
             <a:r>
               <a:rPr lang="en-US" dirty="0" smtClean="0">
@@ -3994,11 +4643,7 @@
             </a:pPr>
             <a:r>
               <a:rPr lang="en-US" dirty="0" smtClean="0"/>
-              <a:t>your </a:t>
-            </a:r>
-            <a:r>
-              <a:rPr lang="en-US" dirty="0" smtClean="0"/>
-              <a:t>GIT environment is now setup.</a:t>
+              <a:t>your GIT environment is now setup.</a:t>
             </a:r>
           </a:p>
           <a:p>
@@ -4090,6 +4735,11 @@
               <a:rPr lang="en-US" dirty="0" smtClean="0"/>
               <a:t> branch --list </a:t>
             </a:r>
+            <a:r>
+              <a:rPr lang="en-US" dirty="0" smtClean="0"/>
+              <a:t>-a</a:t>
+            </a:r>
+            <a:endParaRPr lang="en-US" dirty="0" smtClean="0"/>
           </a:p>
           <a:p>
             <a:pPr lvl="1"/>
@@ -4526,6 +5176,82 @@
     <p:extLst>
       <p:ext uri="{BB962C8B-B14F-4D97-AF65-F5344CB8AC3E}">
         <p14:creationId xmlns:p14="http://schemas.microsoft.com/office/powerpoint/2010/main" val="809329162"/>
+      </p:ext>
+    </p:extLst>
+  </p:cSld>
+  <p:clrMapOvr>
+    <a:masterClrMapping/>
+  </p:clrMapOvr>
+</p:sld>
+</file>
+
+<file path=ppt/slides/slide9.xml><?xml version="1.0" encoding="utf-8"?>
+<p:sld xmlns:a="http://schemas.openxmlformats.org/drawingml/2006/main" xmlns:r="http://schemas.openxmlformats.org/officeDocument/2006/relationships" xmlns:p="http://schemas.openxmlformats.org/presentationml/2006/main">
+  <p:cSld>
+    <p:spTree>
+      <p:nvGrpSpPr>
+        <p:cNvPr id="1" name=""/>
+        <p:cNvGrpSpPr/>
+        <p:nvPr/>
+      </p:nvGrpSpPr>
+      <p:grpSpPr>
+        <a:xfrm>
+          <a:off x="0" y="0"/>
+          <a:ext cx="0" cy="0"/>
+          <a:chOff x="0" y="0"/>
+          <a:chExt cx="0" cy="0"/>
+        </a:xfrm>
+      </p:grpSpPr>
+      <p:sp>
+        <p:nvSpPr>
+          <p:cNvPr id="2" name="Title 1"/>
+          <p:cNvSpPr>
+            <a:spLocks noGrp="1"/>
+          </p:cNvSpPr>
+          <p:nvPr>
+            <p:ph type="title"/>
+          </p:nvPr>
+        </p:nvSpPr>
+        <p:spPr/>
+        <p:txBody>
+          <a:bodyPr/>
+          <a:lstStyle/>
+          <a:p>
+            <a:r>
+              <a:rPr lang="en-US" dirty="0" smtClean="0"/>
+              <a:t>IPNS Code Repo</a:t>
+            </a:r>
+            <a:endParaRPr lang="en-US" dirty="0"/>
+          </a:p>
+        </p:txBody>
+      </p:sp>
+      <p:sp>
+        <p:nvSpPr>
+          <p:cNvPr id="3" name="Text Placeholder 2"/>
+          <p:cNvSpPr>
+            <a:spLocks noGrp="1"/>
+          </p:cNvSpPr>
+          <p:nvPr>
+            <p:ph type="body" idx="1"/>
+          </p:nvPr>
+        </p:nvSpPr>
+        <p:spPr/>
+        <p:txBody>
+          <a:bodyPr/>
+          <a:lstStyle/>
+          <a:p>
+            <a:r>
+              <a:rPr lang="en-US" dirty="0" err="1" smtClean="0"/>
+              <a:t>Adminscripts</a:t>
+            </a:r>
+            <a:endParaRPr lang="en-US" dirty="0"/>
+          </a:p>
+        </p:txBody>
+      </p:sp>
+    </p:spTree>
+    <p:extLst>
+      <p:ext uri="{BB962C8B-B14F-4D97-AF65-F5344CB8AC3E}">
+        <p14:creationId xmlns:p14="http://schemas.microsoft.com/office/powerpoint/2010/main" val="660612098"/>
       </p:ext>
     </p:extLst>
   </p:cSld>
